--- a/Nuevo Presentación de Microsoft PowerPoint.pptx
+++ b/Nuevo Presentación de Microsoft PowerPoint.pptx
@@ -3574,11 +3574,7 @@
             </a:r>
             <a:r>
               <a:rPr lang="es-ES" dirty="0"/>
-              <a:t> es para subir al repo y </a:t>
-            </a:r>
-            <a:r>
-              <a:rPr lang="es-ES"/>
-              <a:t>probar vainas</a:t>
+              <a:t> es para subir al repo y probar vainas</a:t>
             </a:r>
           </a:p>
         </p:txBody>
